--- a/docs/diagrams/SortedListCommand3ListStateDiagram.pptx
+++ b/docs/diagrams/SortedListCommand3ListStateDiagram.pptx
@@ -261,7 +261,7 @@
           <a:p>
             <a:fld id="{03EC4E3E-8101-482F-A883-8B55DAFF7C07}" type="datetimeFigureOut">
               <a:rPr lang="en-SG" smtClean="0"/>
-              <a:t>16/10/18</a:t>
+              <a:t>8/11/18</a:t>
             </a:fld>
             <a:endParaRPr lang="en-SG"/>
           </a:p>
@@ -461,7 +461,7 @@
           <a:p>
             <a:fld id="{03EC4E3E-8101-482F-A883-8B55DAFF7C07}" type="datetimeFigureOut">
               <a:rPr lang="en-SG" smtClean="0"/>
-              <a:t>16/10/18</a:t>
+              <a:t>8/11/18</a:t>
             </a:fld>
             <a:endParaRPr lang="en-SG"/>
           </a:p>
@@ -671,7 +671,7 @@
           <a:p>
             <a:fld id="{03EC4E3E-8101-482F-A883-8B55DAFF7C07}" type="datetimeFigureOut">
               <a:rPr lang="en-SG" smtClean="0"/>
-              <a:t>16/10/18</a:t>
+              <a:t>8/11/18</a:t>
             </a:fld>
             <a:endParaRPr lang="en-SG"/>
           </a:p>
@@ -871,7 +871,7 @@
           <a:p>
             <a:fld id="{03EC4E3E-8101-482F-A883-8B55DAFF7C07}" type="datetimeFigureOut">
               <a:rPr lang="en-SG" smtClean="0"/>
-              <a:t>16/10/18</a:t>
+              <a:t>8/11/18</a:t>
             </a:fld>
             <a:endParaRPr lang="en-SG"/>
           </a:p>
@@ -1147,7 +1147,7 @@
           <a:p>
             <a:fld id="{03EC4E3E-8101-482F-A883-8B55DAFF7C07}" type="datetimeFigureOut">
               <a:rPr lang="en-SG" smtClean="0"/>
-              <a:t>16/10/18</a:t>
+              <a:t>8/11/18</a:t>
             </a:fld>
             <a:endParaRPr lang="en-SG"/>
           </a:p>
@@ -1415,7 +1415,7 @@
           <a:p>
             <a:fld id="{03EC4E3E-8101-482F-A883-8B55DAFF7C07}" type="datetimeFigureOut">
               <a:rPr lang="en-SG" smtClean="0"/>
-              <a:t>16/10/18</a:t>
+              <a:t>8/11/18</a:t>
             </a:fld>
             <a:endParaRPr lang="en-SG"/>
           </a:p>
@@ -1830,7 +1830,7 @@
           <a:p>
             <a:fld id="{03EC4E3E-8101-482F-A883-8B55DAFF7C07}" type="datetimeFigureOut">
               <a:rPr lang="en-SG" smtClean="0"/>
-              <a:t>16/10/18</a:t>
+              <a:t>8/11/18</a:t>
             </a:fld>
             <a:endParaRPr lang="en-SG"/>
           </a:p>
@@ -1972,7 +1972,7 @@
           <a:p>
             <a:fld id="{03EC4E3E-8101-482F-A883-8B55DAFF7C07}" type="datetimeFigureOut">
               <a:rPr lang="en-SG" smtClean="0"/>
-              <a:t>16/10/18</a:t>
+              <a:t>8/11/18</a:t>
             </a:fld>
             <a:endParaRPr lang="en-SG"/>
           </a:p>
@@ -2085,7 +2085,7 @@
           <a:p>
             <a:fld id="{03EC4E3E-8101-482F-A883-8B55DAFF7C07}" type="datetimeFigureOut">
               <a:rPr lang="en-SG" smtClean="0"/>
-              <a:t>16/10/18</a:t>
+              <a:t>8/11/18</a:t>
             </a:fld>
             <a:endParaRPr lang="en-SG"/>
           </a:p>
@@ -2398,7 +2398,7 @@
           <a:p>
             <a:fld id="{03EC4E3E-8101-482F-A883-8B55DAFF7C07}" type="datetimeFigureOut">
               <a:rPr lang="en-SG" smtClean="0"/>
-              <a:t>16/10/18</a:t>
+              <a:t>8/11/18</a:t>
             </a:fld>
             <a:endParaRPr lang="en-SG"/>
           </a:p>
@@ -2687,7 +2687,7 @@
           <a:p>
             <a:fld id="{03EC4E3E-8101-482F-A883-8B55DAFF7C07}" type="datetimeFigureOut">
               <a:rPr lang="en-SG" smtClean="0"/>
-              <a:t>16/10/18</a:t>
+              <a:t>8/11/18</a:t>
             </a:fld>
             <a:endParaRPr lang="en-SG"/>
           </a:p>
@@ -2930,7 +2930,7 @@
           <a:p>
             <a:fld id="{03EC4E3E-8101-482F-A883-8B55DAFF7C07}" type="datetimeFigureOut">
               <a:rPr lang="en-SG" smtClean="0"/>
-              <a:t>16/10/18</a:t>
+              <a:t>8/11/18</a:t>
             </a:fld>
             <a:endParaRPr lang="en-SG"/>
           </a:p>
@@ -3362,7 +3362,7 @@
           <p:nvPr>
             <p:extLst>
               <p:ext uri="{D42A27DB-BD31-4B8C-83A1-F6EECF244321}">
-                <p14:modId xmlns:p14="http://schemas.microsoft.com/office/powerpoint/2010/main" val="2058432389"/>
+                <p14:modId xmlns:p14="http://schemas.microsoft.com/office/powerpoint/2010/main" val="3502767859"/>
               </p:ext>
             </p:extLst>
           </p:nvPr>
@@ -3518,7 +3518,7 @@
             <a:pPr algn="ctr"/>
             <a:r>
               <a:rPr lang="en-US" dirty="0"/>
-              <a:t>n/Esther…</a:t>
+              <a:t>n/Bella…</a:t>
             </a:r>
           </a:p>
           <a:p>
@@ -3594,7 +3594,7 @@
           <p:nvPr>
             <p:extLst>
               <p:ext uri="{D42A27DB-BD31-4B8C-83A1-F6EECF244321}">
-                <p14:modId xmlns:p14="http://schemas.microsoft.com/office/powerpoint/2010/main" val="331080439"/>
+                <p14:modId xmlns:p14="http://schemas.microsoft.com/office/powerpoint/2010/main" val="2930224523"/>
               </p:ext>
             </p:extLst>
           </p:nvPr>
@@ -3626,7 +3626,7 @@
                     <a:p>
                       <a:r>
                         <a:rPr lang="en-SG" u="sng" dirty="0" err="1"/>
-                        <a:t>David:</a:t>
+                        <a:t>Bella:</a:t>
                       </a:r>
                       <a:r>
                         <a:rPr lang="en-SG" sz="1800" u="sng" dirty="0" err="1"/>
@@ -3662,7 +3662,7 @@
           <p:nvPr>
             <p:extLst>
               <p:ext uri="{D42A27DB-BD31-4B8C-83A1-F6EECF244321}">
-                <p14:modId xmlns:p14="http://schemas.microsoft.com/office/powerpoint/2010/main" val="3672688638"/>
+                <p14:modId xmlns:p14="http://schemas.microsoft.com/office/powerpoint/2010/main" val="2730681099"/>
               </p:ext>
             </p:extLst>
           </p:nvPr>
@@ -3730,7 +3730,7 @@
           <p:nvPr>
             <p:extLst>
               <p:ext uri="{D42A27DB-BD31-4B8C-83A1-F6EECF244321}">
-                <p14:modId xmlns:p14="http://schemas.microsoft.com/office/powerpoint/2010/main" val="2177356121"/>
+                <p14:modId xmlns:p14="http://schemas.microsoft.com/office/powerpoint/2010/main" val="2403109644"/>
               </p:ext>
             </p:extLst>
           </p:nvPr>
@@ -3798,7 +3798,7 @@
           <p:nvPr>
             <p:extLst>
               <p:ext uri="{D42A27DB-BD31-4B8C-83A1-F6EECF244321}">
-                <p14:modId xmlns:p14="http://schemas.microsoft.com/office/powerpoint/2010/main" val="3401311498"/>
+                <p14:modId xmlns:p14="http://schemas.microsoft.com/office/powerpoint/2010/main" val="2117276683"/>
               </p:ext>
             </p:extLst>
           </p:nvPr>
@@ -3830,7 +3830,7 @@
                     <a:p>
                       <a:r>
                         <a:rPr lang="en-SG" u="sng" dirty="0" err="1"/>
-                        <a:t>Esther:</a:t>
+                        <a:t>David:</a:t>
                       </a:r>
                       <a:r>
                         <a:rPr lang="en-SG" sz="1800" u="sng" dirty="0" err="1"/>

--- a/docs/diagrams/SortedListCommand3ListStateDiagram.pptx
+++ b/docs/diagrams/SortedListCommand3ListStateDiagram.pptx
@@ -3362,13 +3362,13 @@
           <p:nvPr>
             <p:extLst>
               <p:ext uri="{D42A27DB-BD31-4B8C-83A1-F6EECF244321}">
-                <p14:modId xmlns:p14="http://schemas.microsoft.com/office/powerpoint/2010/main" val="3502767859"/>
+                <p14:modId xmlns:p14="http://schemas.microsoft.com/office/powerpoint/2010/main" val="3110616826"/>
               </p:ext>
             </p:extLst>
           </p:nvPr>
         </p:nvGraphicFramePr>
         <p:xfrm>
-          <a:off x="638040" y="3678567"/>
+          <a:off x="1842000" y="3053727"/>
           <a:ext cx="1438731" cy="417888"/>
         </p:xfrm>
         <a:graphic>
@@ -3429,8 +3429,8 @@
         </p:nvSpPr>
         <p:spPr>
           <a:xfrm>
-            <a:off x="529554" y="557862"/>
-            <a:ext cx="11364686" cy="618187"/>
+            <a:off x="1733514" y="603582"/>
+            <a:ext cx="9391686" cy="618187"/>
           </a:xfrm>
           <a:prstGeom prst="rect">
             <a:avLst/>
@@ -3481,7 +3481,7 @@
         </p:nvSpPr>
         <p:spPr>
           <a:xfrm>
-            <a:off x="5249540" y="1602707"/>
+            <a:off x="5101270" y="1321140"/>
             <a:ext cx="1989460" cy="1549831"/>
           </a:xfrm>
           <a:prstGeom prst="downArrow">
@@ -3527,58 +3527,6 @@
           </a:p>
         </p:txBody>
       </p:sp>
-      <p:sp>
-        <p:nvSpPr>
-          <p:cNvPr id="9" name="Rectangle 8">
-            <a:extLst>
-              <a:ext uri="{FF2B5EF4-FFF2-40B4-BE49-F238E27FC236}">
-                <a16:creationId xmlns:a16="http://schemas.microsoft.com/office/drawing/2014/main" id="{3111C0ED-D4B6-FF40-8A3A-B2F13D011E28}"/>
-              </a:ext>
-            </a:extLst>
-          </p:cNvPr>
-          <p:cNvSpPr/>
-          <p:nvPr/>
-        </p:nvSpPr>
-        <p:spPr>
-          <a:xfrm>
-            <a:off x="529554" y="3579196"/>
-            <a:ext cx="11364686" cy="618187"/>
-          </a:xfrm>
-          <a:prstGeom prst="rect">
-            <a:avLst/>
-          </a:prstGeom>
-          <a:noFill/>
-          <a:ln>
-            <a:solidFill>
-              <a:schemeClr val="tx1"/>
-            </a:solidFill>
-          </a:ln>
-        </p:spPr>
-        <p:style>
-          <a:lnRef idx="2">
-            <a:schemeClr val="accent1">
-              <a:shade val="50000"/>
-            </a:schemeClr>
-          </a:lnRef>
-          <a:fillRef idx="1">
-            <a:schemeClr val="accent1"/>
-          </a:fillRef>
-          <a:effectRef idx="0">
-            <a:schemeClr val="accent1"/>
-          </a:effectRef>
-          <a:fontRef idx="minor">
-            <a:schemeClr val="lt1"/>
-          </a:fontRef>
-        </p:style>
-        <p:txBody>
-          <a:bodyPr rtlCol="0" anchor="ctr"/>
-          <a:lstStyle/>
-          <a:p>
-            <a:pPr algn="ctr"/>
-            <a:endParaRPr lang="en-US"/>
-          </a:p>
-        </p:txBody>
-      </p:sp>
       <p:graphicFrame>
         <p:nvGraphicFramePr>
           <p:cNvPr id="8" name="Table 7">
@@ -3594,13 +3542,13 @@
           <p:nvPr>
             <p:extLst>
               <p:ext uri="{D42A27DB-BD31-4B8C-83A1-F6EECF244321}">
-                <p14:modId xmlns:p14="http://schemas.microsoft.com/office/powerpoint/2010/main" val="2930224523"/>
+                <p14:modId xmlns:p14="http://schemas.microsoft.com/office/powerpoint/2010/main" val="2538745302"/>
               </p:ext>
             </p:extLst>
           </p:nvPr>
         </p:nvGraphicFramePr>
         <p:xfrm>
-          <a:off x="2417762" y="3678567"/>
+          <a:off x="3621722" y="3053727"/>
           <a:ext cx="1438731" cy="417888"/>
         </p:xfrm>
         <a:graphic>
@@ -3662,13 +3610,13 @@
           <p:nvPr>
             <p:extLst>
               <p:ext uri="{D42A27DB-BD31-4B8C-83A1-F6EECF244321}">
-                <p14:modId xmlns:p14="http://schemas.microsoft.com/office/powerpoint/2010/main" val="2730681099"/>
+                <p14:modId xmlns:p14="http://schemas.microsoft.com/office/powerpoint/2010/main" val="3087868596"/>
               </p:ext>
             </p:extLst>
           </p:nvPr>
         </p:nvGraphicFramePr>
         <p:xfrm>
-          <a:off x="638040" y="660641"/>
+          <a:off x="1842000" y="706361"/>
           <a:ext cx="1438731" cy="417888"/>
         </p:xfrm>
         <a:graphic>
@@ -3730,13 +3678,13 @@
           <p:nvPr>
             <p:extLst>
               <p:ext uri="{D42A27DB-BD31-4B8C-83A1-F6EECF244321}">
-                <p14:modId xmlns:p14="http://schemas.microsoft.com/office/powerpoint/2010/main" val="2403109644"/>
+                <p14:modId xmlns:p14="http://schemas.microsoft.com/office/powerpoint/2010/main" val="368389460"/>
               </p:ext>
             </p:extLst>
           </p:nvPr>
         </p:nvGraphicFramePr>
         <p:xfrm>
-          <a:off x="2417762" y="660641"/>
+          <a:off x="3621722" y="706361"/>
           <a:ext cx="1438731" cy="417888"/>
         </p:xfrm>
         <a:graphic>
@@ -3798,13 +3746,13 @@
           <p:nvPr>
             <p:extLst>
               <p:ext uri="{D42A27DB-BD31-4B8C-83A1-F6EECF244321}">
-                <p14:modId xmlns:p14="http://schemas.microsoft.com/office/powerpoint/2010/main" val="2117276683"/>
+                <p14:modId xmlns:p14="http://schemas.microsoft.com/office/powerpoint/2010/main" val="2341395899"/>
               </p:ext>
             </p:extLst>
           </p:nvPr>
         </p:nvGraphicFramePr>
         <p:xfrm>
-          <a:off x="4197484" y="3678567"/>
+          <a:off x="5401444" y="3053727"/>
           <a:ext cx="1593716" cy="417888"/>
         </p:xfrm>
         <a:graphic>
@@ -3851,6 +3799,108 @@
           </a:graphicData>
         </a:graphic>
       </p:graphicFrame>
+      <p:sp>
+        <p:nvSpPr>
+          <p:cNvPr id="13" name="Rectangle 12">
+            <a:extLst>
+              <a:ext uri="{FF2B5EF4-FFF2-40B4-BE49-F238E27FC236}">
+                <a16:creationId xmlns:a16="http://schemas.microsoft.com/office/drawing/2014/main" id="{A6A9D5C8-1658-654A-B64A-B29E76CF4E48}"/>
+              </a:ext>
+            </a:extLst>
+          </p:cNvPr>
+          <p:cNvSpPr/>
+          <p:nvPr/>
+        </p:nvSpPr>
+        <p:spPr>
+          <a:xfrm>
+            <a:off x="1733514" y="2970342"/>
+            <a:ext cx="9391686" cy="618187"/>
+          </a:xfrm>
+          <a:prstGeom prst="rect">
+            <a:avLst/>
+          </a:prstGeom>
+          <a:noFill/>
+          <a:ln>
+            <a:solidFill>
+              <a:schemeClr val="tx1"/>
+            </a:solidFill>
+          </a:ln>
+        </p:spPr>
+        <p:style>
+          <a:lnRef idx="2">
+            <a:schemeClr val="accent1">
+              <a:shade val="50000"/>
+            </a:schemeClr>
+          </a:lnRef>
+          <a:fillRef idx="1">
+            <a:schemeClr val="accent1"/>
+          </a:fillRef>
+          <a:effectRef idx="0">
+            <a:schemeClr val="accent1"/>
+          </a:effectRef>
+          <a:fontRef idx="minor">
+            <a:schemeClr val="lt1"/>
+          </a:fontRef>
+        </p:style>
+        <p:txBody>
+          <a:bodyPr rtlCol="0" anchor="ctr"/>
+          <a:lstStyle/>
+          <a:p>
+            <a:pPr algn="ctr"/>
+            <a:endParaRPr lang="en-US"/>
+          </a:p>
+        </p:txBody>
+      </p:sp>
+      <p:sp>
+        <p:nvSpPr>
+          <p:cNvPr id="2" name="Rectangle 1">
+            <a:extLst>
+              <a:ext uri="{FF2B5EF4-FFF2-40B4-BE49-F238E27FC236}">
+                <a16:creationId xmlns:a16="http://schemas.microsoft.com/office/drawing/2014/main" id="{AD8F237B-C446-9E45-A425-32F886D14113}"/>
+              </a:ext>
+            </a:extLst>
+          </p:cNvPr>
+          <p:cNvSpPr/>
+          <p:nvPr/>
+        </p:nvSpPr>
+        <p:spPr>
+          <a:xfrm>
+            <a:off x="1554480" y="457200"/>
+            <a:ext cx="9677400" cy="3276600"/>
+          </a:xfrm>
+          <a:prstGeom prst="rect">
+            <a:avLst/>
+          </a:prstGeom>
+          <a:noFill/>
+          <a:ln>
+            <a:noFill/>
+          </a:ln>
+        </p:spPr>
+        <p:style>
+          <a:lnRef idx="2">
+            <a:schemeClr val="accent1">
+              <a:shade val="50000"/>
+            </a:schemeClr>
+          </a:lnRef>
+          <a:fillRef idx="1">
+            <a:schemeClr val="accent1"/>
+          </a:fillRef>
+          <a:effectRef idx="0">
+            <a:schemeClr val="accent1"/>
+          </a:effectRef>
+          <a:fontRef idx="minor">
+            <a:schemeClr val="lt1"/>
+          </a:fontRef>
+        </p:style>
+        <p:txBody>
+          <a:bodyPr rtlCol="0" anchor="ctr"/>
+          <a:lstStyle/>
+          <a:p>
+            <a:pPr algn="ctr"/>
+            <a:endParaRPr lang="en-US"/>
+          </a:p>
+        </p:txBody>
+      </p:sp>
     </p:spTree>
     <p:extLst>
       <p:ext uri="{BB962C8B-B14F-4D97-AF65-F5344CB8AC3E}">
